--- a/Presentation_connected_flowers.pptx
+++ b/Presentation_connected_flowers.pptx
@@ -7,8 +7,8 @@
   <p:sldIdLst>
     <p:sldId id="256" r:id="rId2"/>
     <p:sldId id="257" r:id="rId3"/>
-    <p:sldId id="258" r:id="rId4"/>
-    <p:sldId id="259" r:id="rId5"/>
+    <p:sldId id="269" r:id="rId4"/>
+    <p:sldId id="258" r:id="rId5"/>
     <p:sldId id="260" r:id="rId6"/>
     <p:sldId id="265" r:id="rId7"/>
     <p:sldId id="262" r:id="rId8"/>
@@ -845,7 +845,7 @@
             <a:fld id="{B61BEF0D-F0BB-DE4B-95CE-6DB70DBA9567}" type="datetimeFigureOut">
               <a:rPr lang="en-US" dirty="0"/>
               <a:pPr/>
-              <a:t>6/11/2019</a:t>
+              <a:t>6/12/2019</a:t>
             </a:fld>
             <a:endParaRPr lang="en-US" dirty="0"/>
           </a:p>
@@ -1093,7 +1093,7 @@
             <a:fld id="{B61BEF0D-F0BB-DE4B-95CE-6DB70DBA9567}" type="datetimeFigureOut">
               <a:rPr lang="en-US" dirty="0"/>
               <a:pPr/>
-              <a:t>6/11/2019</a:t>
+              <a:t>6/12/2019</a:t>
             </a:fld>
             <a:endParaRPr lang="en-US" dirty="0"/>
           </a:p>
@@ -1404,7 +1404,7 @@
             <a:fld id="{B61BEF0D-F0BB-DE4B-95CE-6DB70DBA9567}" type="datetimeFigureOut">
               <a:rPr lang="en-US" dirty="0"/>
               <a:pPr/>
-              <a:t>6/11/2019</a:t>
+              <a:t>6/12/2019</a:t>
             </a:fld>
             <a:endParaRPr lang="en-US" dirty="0"/>
           </a:p>
@@ -1728,7 +1728,7 @@
             <a:fld id="{B61BEF0D-F0BB-DE4B-95CE-6DB70DBA9567}" type="datetimeFigureOut">
               <a:rPr lang="en-US" dirty="0"/>
               <a:pPr/>
-              <a:t>6/11/2019</a:t>
+              <a:t>6/12/2019</a:t>
             </a:fld>
             <a:endParaRPr lang="en-US" dirty="0"/>
           </a:p>
@@ -2039,7 +2039,7 @@
             <a:fld id="{B61BEF0D-F0BB-DE4B-95CE-6DB70DBA9567}" type="datetimeFigureOut">
               <a:rPr lang="en-US" dirty="0"/>
               <a:pPr/>
-              <a:t>6/11/2019</a:t>
+              <a:t>6/12/2019</a:t>
             </a:fld>
             <a:endParaRPr lang="en-US" dirty="0"/>
           </a:p>
@@ -2423,7 +2423,7 @@
             <a:fld id="{B61BEF0D-F0BB-DE4B-95CE-6DB70DBA9567}" type="datetimeFigureOut">
               <a:rPr lang="en-US" dirty="0"/>
               <a:pPr/>
-              <a:t>6/11/2019</a:t>
+              <a:t>6/12/2019</a:t>
             </a:fld>
             <a:endParaRPr lang="en-US" dirty="0"/>
           </a:p>
@@ -2589,7 +2589,7 @@
           <a:p>
             <a:fld id="{55C6B4A9-1611-4792-9094-5F34BCA07E0B}" type="datetimeFigureOut">
               <a:rPr lang="en-US" dirty="0"/>
-              <a:t>6/11/2019</a:t>
+              <a:t>6/12/2019</a:t>
             </a:fld>
             <a:endParaRPr lang="en-US" dirty="0"/>
           </a:p>
@@ -2765,7 +2765,7 @@
             <a:fld id="{B61BEF0D-F0BB-DE4B-95CE-6DB70DBA9567}" type="datetimeFigureOut">
               <a:rPr lang="en-US" dirty="0"/>
               <a:pPr/>
-              <a:t>6/11/2019</a:t>
+              <a:t>6/12/2019</a:t>
             </a:fld>
             <a:endParaRPr lang="en-US" dirty="0"/>
           </a:p>
@@ -2938,7 +2938,7 @@
             <a:fld id="{B61BEF0D-F0BB-DE4B-95CE-6DB70DBA9567}" type="datetimeFigureOut">
               <a:rPr lang="en-US" dirty="0"/>
               <a:pPr/>
-              <a:t>6/11/2019</a:t>
+              <a:t>6/12/2019</a:t>
             </a:fld>
             <a:endParaRPr lang="en-US" dirty="0"/>
           </a:p>
@@ -3182,7 +3182,7 @@
             <a:fld id="{B61BEF0D-F0BB-DE4B-95CE-6DB70DBA9567}" type="datetimeFigureOut">
               <a:rPr lang="en-US" dirty="0"/>
               <a:pPr/>
-              <a:t>6/11/2019</a:t>
+              <a:t>6/12/2019</a:t>
             </a:fld>
             <a:endParaRPr lang="en-US" dirty="0"/>
           </a:p>
@@ -3410,7 +3410,7 @@
           <a:p>
             <a:fld id="{EB712588-04B1-427B-82EE-E8DB90309F08}" type="datetimeFigureOut">
               <a:rPr lang="en-US" dirty="0"/>
-              <a:t>6/11/2019</a:t>
+              <a:t>6/12/2019</a:t>
             </a:fld>
             <a:endParaRPr lang="en-US" dirty="0"/>
           </a:p>
@@ -3780,7 +3780,7 @@
             <a:fld id="{B61BEF0D-F0BB-DE4B-95CE-6DB70DBA9567}" type="datetimeFigureOut">
               <a:rPr lang="en-US" dirty="0"/>
               <a:pPr/>
-              <a:t>6/11/2019</a:t>
+              <a:t>6/12/2019</a:t>
             </a:fld>
             <a:endParaRPr lang="en-US" dirty="0"/>
           </a:p>
@@ -3900,7 +3900,7 @@
             <a:fld id="{B61BEF0D-F0BB-DE4B-95CE-6DB70DBA9567}" type="datetimeFigureOut">
               <a:rPr lang="en-US" dirty="0"/>
               <a:pPr/>
-              <a:t>6/11/2019</a:t>
+              <a:t>6/12/2019</a:t>
             </a:fld>
             <a:endParaRPr lang="en-US" dirty="0"/>
           </a:p>
@@ -3992,7 +3992,7 @@
             <a:fld id="{B61BEF0D-F0BB-DE4B-95CE-6DB70DBA9567}" type="datetimeFigureOut">
               <a:rPr lang="en-US" dirty="0"/>
               <a:pPr/>
-              <a:t>6/11/2019</a:t>
+              <a:t>6/12/2019</a:t>
             </a:fld>
             <a:endParaRPr lang="en-US" dirty="0"/>
           </a:p>
@@ -4243,7 +4243,7 @@
           <a:p>
             <a:fld id="{42A54C80-263E-416B-A8E0-580EDEADCBDC}" type="datetimeFigureOut">
               <a:rPr lang="en-US" dirty="0"/>
-              <a:t>6/11/2019</a:t>
+              <a:t>6/12/2019</a:t>
             </a:fld>
             <a:endParaRPr lang="en-US" dirty="0"/>
           </a:p>
@@ -4502,7 +4502,7 @@
             <a:fld id="{B61BEF0D-F0BB-DE4B-95CE-6DB70DBA9567}" type="datetimeFigureOut">
               <a:rPr lang="en-US" dirty="0"/>
               <a:pPr/>
-              <a:t>6/11/2019</a:t>
+              <a:t>6/12/2019</a:t>
             </a:fld>
             <a:endParaRPr lang="en-US" dirty="0"/>
           </a:p>
@@ -5244,7 +5244,7 @@
             <a:fld id="{B61BEF0D-F0BB-DE4B-95CE-6DB70DBA9567}" type="datetimeFigureOut">
               <a:rPr lang="en-US" dirty="0"/>
               <a:pPr/>
-              <a:t>6/11/2019</a:t>
+              <a:t>6/12/2019</a:t>
             </a:fld>
             <a:endParaRPr lang="en-US" dirty="0"/>
           </a:p>
@@ -5858,6 +5858,14 @@
 <file path=ppt/slides/slide2.xml><?xml version="1.0" encoding="utf-8"?>
 <p:sld xmlns:a="http://schemas.openxmlformats.org/drawingml/2006/main" xmlns:r="http://schemas.openxmlformats.org/officeDocument/2006/relationships" xmlns:p="http://schemas.openxmlformats.org/presentationml/2006/main">
   <p:cSld>
+    <p:bg>
+      <p:bgPr>
+        <a:solidFill>
+          <a:schemeClr val="bg2"/>
+        </a:solidFill>
+        <a:effectLst/>
+      </p:bgPr>
+    </p:bg>
     <p:spTree>
       <p:nvGrpSpPr>
         <p:cNvPr id="1" name=""/>
@@ -5872,6 +5880,53 @@
           <a:chExt cx="0" cy="0"/>
         </a:xfrm>
       </p:grpSpPr>
+      <p:cxnSp>
+        <p:nvCxnSpPr>
+          <p:cNvPr id="8" name="Straight Connector 7">
+            <a:extLst>
+              <a:ext uri="{FF2B5EF4-FFF2-40B4-BE49-F238E27FC236}">
+                <a16:creationId xmlns:a16="http://schemas.microsoft.com/office/drawing/2014/main" id="{0B5F7E3B-C5F1-40E0-A491-558BAFBC1127}"/>
+              </a:ext>
+              <a:ext uri="{C183D7F6-B498-43B3-948B-1728B52AA6E4}">
+                <adec:decorative xmlns:adec="http://schemas.microsoft.com/office/drawing/2017/decorative" val="1"/>
+              </a:ext>
+            </a:extLst>
+          </p:cNvPr>
+          <p:cNvCxnSpPr>
+            <a:cxnSpLocks noGrp="1" noRot="1" noChangeAspect="1" noMove="1" noResize="1" noEditPoints="1" noAdjustHandles="1" noChangeArrowheads="1" noChangeShapeType="1"/>
+          </p:cNvCxnSpPr>
+          <p:nvPr>
+            <p:extLst>
+              <p:ext uri="{386F3935-93C4-4BCD-93E2-E3B085C9AB24}">
+                <p16:designElem xmlns:p16="http://schemas.microsoft.com/office/powerpoint/2015/main" val="1"/>
+              </p:ext>
+            </p:extLst>
+          </p:nvPr>
+        </p:nvCxnSpPr>
+        <p:spPr>
+          <a:xfrm>
+            <a:off x="4241804" y="1460500"/>
+            <a:ext cx="0" cy="3937000"/>
+          </a:xfrm>
+          <a:prstGeom prst="line">
+            <a:avLst/>
+          </a:prstGeom>
+        </p:spPr>
+        <p:style>
+          <a:lnRef idx="1">
+            <a:schemeClr val="accent1"/>
+          </a:lnRef>
+          <a:fillRef idx="0">
+            <a:schemeClr val="accent1"/>
+          </a:fillRef>
+          <a:effectRef idx="0">
+            <a:schemeClr val="accent1"/>
+          </a:effectRef>
+          <a:fontRef idx="minor">
+            <a:schemeClr val="tx1"/>
+          </a:fontRef>
+        </p:style>
+      </p:cxnSp>
       <p:sp>
         <p:nvSpPr>
           <p:cNvPr id="2" name="Titre 1">
@@ -5890,12 +5945,14 @@
         </p:nvSpPr>
         <p:spPr>
           <a:xfrm>
-            <a:off x="1367145" y="609600"/>
-            <a:ext cx="8596668" cy="1320800"/>
+            <a:off x="643467" y="816638"/>
+            <a:ext cx="3367359" cy="5224724"/>
           </a:xfrm>
         </p:spPr>
         <p:txBody>
-          <a:bodyPr/>
+          <a:bodyPr anchor="ctr">
+            <a:normAutofit/>
+          </a:bodyPr>
           <a:lstStyle/>
           <a:p>
             <a:r>
@@ -5923,19 +5980,28 @@
         </p:nvSpPr>
         <p:spPr>
           <a:xfrm>
-            <a:off x="1367145" y="1930400"/>
-            <a:ext cx="8596668" cy="3880773"/>
+            <a:off x="4654295" y="816638"/>
+            <a:ext cx="4619706" cy="5224724"/>
           </a:xfrm>
         </p:spPr>
         <p:txBody>
-          <a:bodyPr>
-            <a:normAutofit lnSpcReduction="10000"/>
+          <a:bodyPr anchor="ctr">
+            <a:normAutofit/>
           </a:bodyPr>
           <a:lstStyle/>
           <a:p>
             <a:pPr marL="0" indent="0">
               <a:buNone/>
             </a:pPr>
+            <a:endParaRPr lang="fr-FR" dirty="0"/>
+          </a:p>
+          <a:p>
+            <a:r>
+              <a:rPr lang="fr-FR" dirty="0"/>
+              <a:t>Le projet</a:t>
+            </a:r>
+          </a:p>
+          <a:p>
             <a:endParaRPr lang="fr-FR" dirty="0"/>
           </a:p>
           <a:p>
@@ -5999,6 +6065,476 @@
 </file>
 
 <file path=ppt/slides/slide3.xml><?xml version="1.0" encoding="utf-8"?>
+<p:sld xmlns:a="http://schemas.openxmlformats.org/drawingml/2006/main" xmlns:r="http://schemas.openxmlformats.org/officeDocument/2006/relationships" xmlns:p="http://schemas.openxmlformats.org/presentationml/2006/main">
+  <p:cSld>
+    <p:spTree>
+      <p:nvGrpSpPr>
+        <p:cNvPr id="1" name=""/>
+        <p:cNvGrpSpPr/>
+        <p:nvPr/>
+      </p:nvGrpSpPr>
+      <p:grpSpPr>
+        <a:xfrm>
+          <a:off x="0" y="0"/>
+          <a:ext cx="0" cy="0"/>
+          <a:chOff x="0" y="0"/>
+          <a:chExt cx="0" cy="0"/>
+        </a:xfrm>
+      </p:grpSpPr>
+      <p:sp>
+        <p:nvSpPr>
+          <p:cNvPr id="2" name="Titre 1">
+            <a:extLst>
+              <a:ext uri="{FF2B5EF4-FFF2-40B4-BE49-F238E27FC236}">
+                <a16:creationId xmlns:a16="http://schemas.microsoft.com/office/drawing/2014/main" id="{3D3DD3E5-15F5-4FF8-A324-42D3DC7DD576}"/>
+              </a:ext>
+            </a:extLst>
+          </p:cNvPr>
+          <p:cNvSpPr>
+            <a:spLocks noGrp="1"/>
+          </p:cNvSpPr>
+          <p:nvPr>
+            <p:ph type="title"/>
+          </p:nvPr>
+        </p:nvSpPr>
+        <p:spPr/>
+        <p:txBody>
+          <a:bodyPr/>
+          <a:lstStyle/>
+          <a:p>
+            <a:r>
+              <a:rPr lang="fr-FR" dirty="0"/>
+              <a:t>Le projet</a:t>
+            </a:r>
+          </a:p>
+        </p:txBody>
+      </p:sp>
+      <p:pic>
+        <p:nvPicPr>
+          <p:cNvPr id="1026" name="Picture 2" descr="RÃ©sultat de recherche d'images pour &quot;capteur iot png&quot;">
+            <a:extLst>
+              <a:ext uri="{FF2B5EF4-FFF2-40B4-BE49-F238E27FC236}">
+                <a16:creationId xmlns:a16="http://schemas.microsoft.com/office/drawing/2014/main" id="{67C18E9E-6B7D-4642-B454-79441E119DA3}"/>
+              </a:ext>
+            </a:extLst>
+          </p:cNvPr>
+          <p:cNvPicPr>
+            <a:picLocks noGrp="1" noChangeAspect="1" noChangeArrowheads="1"/>
+          </p:cNvPicPr>
+          <p:nvPr>
+            <p:ph idx="1"/>
+          </p:nvPr>
+        </p:nvPicPr>
+        <p:blipFill>
+          <a:blip r:embed="rId2">
+            <a:extLst>
+              <a:ext uri="{28A0092B-C50C-407E-A947-70E740481C1C}">
+                <a14:useLocalDpi xmlns:a14="http://schemas.microsoft.com/office/drawing/2010/main" val="0"/>
+              </a:ext>
+            </a:extLst>
+          </a:blip>
+          <a:srcRect/>
+          <a:stretch>
+            <a:fillRect/>
+          </a:stretch>
+        </p:blipFill>
+        <p:spPr bwMode="auto">
+          <a:xfrm>
+            <a:off x="7753738" y="3739679"/>
+            <a:ext cx="1654272" cy="1654272"/>
+          </a:xfrm>
+          <a:prstGeom prst="rect">
+            <a:avLst/>
+          </a:prstGeom>
+          <a:noFill/>
+          <a:extLst>
+            <a:ext uri="{909E8E84-426E-40DD-AFC4-6F175D3DCCD1}">
+              <a14:hiddenFill xmlns:a14="http://schemas.microsoft.com/office/drawing/2010/main">
+                <a:solidFill>
+                  <a:srgbClr val="FFFFFF"/>
+                </a:solidFill>
+              </a14:hiddenFill>
+            </a:ext>
+          </a:extLst>
+        </p:spPr>
+      </p:pic>
+      <p:pic>
+        <p:nvPicPr>
+          <p:cNvPr id="1028" name="Picture 4" descr="RÃ©sultat de recherche d'images pour &quot;base de donnÃ©es png&quot;">
+            <a:extLst>
+              <a:ext uri="{FF2B5EF4-FFF2-40B4-BE49-F238E27FC236}">
+                <a16:creationId xmlns:a16="http://schemas.microsoft.com/office/drawing/2014/main" id="{8157305B-48A5-4E4A-B89B-959C5FE3BAC7}"/>
+              </a:ext>
+            </a:extLst>
+          </p:cNvPr>
+          <p:cNvPicPr>
+            <a:picLocks noChangeAspect="1" noChangeArrowheads="1"/>
+          </p:cNvPicPr>
+          <p:nvPr/>
+        </p:nvPicPr>
+        <p:blipFill>
+          <a:blip r:embed="rId3">
+            <a:extLst>
+              <a:ext uri="{28A0092B-C50C-407E-A947-70E740481C1C}">
+                <a14:useLocalDpi xmlns:a14="http://schemas.microsoft.com/office/drawing/2010/main" val="0"/>
+              </a:ext>
+            </a:extLst>
+          </a:blip>
+          <a:srcRect/>
+          <a:stretch>
+            <a:fillRect/>
+          </a:stretch>
+        </p:blipFill>
+        <p:spPr bwMode="auto">
+          <a:xfrm>
+            <a:off x="4148532" y="1637537"/>
+            <a:ext cx="1654272" cy="1654272"/>
+          </a:xfrm>
+          <a:prstGeom prst="rect">
+            <a:avLst/>
+          </a:prstGeom>
+          <a:noFill/>
+          <a:extLst>
+            <a:ext uri="{909E8E84-426E-40DD-AFC4-6F175D3DCCD1}">
+              <a14:hiddenFill xmlns:a14="http://schemas.microsoft.com/office/drawing/2010/main">
+                <a:solidFill>
+                  <a:srgbClr val="FFFFFF"/>
+                </a:solidFill>
+              </a14:hiddenFill>
+            </a:ext>
+          </a:extLst>
+        </p:spPr>
+      </p:pic>
+      <p:pic>
+        <p:nvPicPr>
+          <p:cNvPr id="1030" name="Picture 6" descr="RÃ©sultat de recherche d'images pour &quot;application png&quot;">
+            <a:extLst>
+              <a:ext uri="{FF2B5EF4-FFF2-40B4-BE49-F238E27FC236}">
+                <a16:creationId xmlns:a16="http://schemas.microsoft.com/office/drawing/2014/main" id="{0E9B420B-6F07-4281-8D73-45EE80E78886}"/>
+              </a:ext>
+            </a:extLst>
+          </p:cNvPr>
+          <p:cNvPicPr>
+            <a:picLocks noChangeAspect="1" noChangeArrowheads="1"/>
+          </p:cNvPicPr>
+          <p:nvPr/>
+        </p:nvPicPr>
+        <p:blipFill>
+          <a:blip r:embed="rId4">
+            <a:extLst>
+              <a:ext uri="{28A0092B-C50C-407E-A947-70E740481C1C}">
+                <a14:useLocalDpi xmlns:a14="http://schemas.microsoft.com/office/drawing/2010/main" val="0"/>
+              </a:ext>
+            </a:extLst>
+          </a:blip>
+          <a:srcRect/>
+          <a:stretch>
+            <a:fillRect/>
+          </a:stretch>
+        </p:blipFill>
+        <p:spPr bwMode="auto">
+          <a:xfrm>
+            <a:off x="792670" y="3739679"/>
+            <a:ext cx="1654272" cy="1654272"/>
+          </a:xfrm>
+          <a:prstGeom prst="rect">
+            <a:avLst/>
+          </a:prstGeom>
+          <a:noFill/>
+          <a:extLst>
+            <a:ext uri="{909E8E84-426E-40DD-AFC4-6F175D3DCCD1}">
+              <a14:hiddenFill xmlns:a14="http://schemas.microsoft.com/office/drawing/2010/main">
+                <a:solidFill>
+                  <a:srgbClr val="FFFFFF"/>
+                </a:solidFill>
+              </a14:hiddenFill>
+            </a:ext>
+          </a:extLst>
+        </p:spPr>
+      </p:pic>
+      <p:cxnSp>
+        <p:nvCxnSpPr>
+          <p:cNvPr id="11" name="Connecteur droit avec flèche 10">
+            <a:extLst>
+              <a:ext uri="{FF2B5EF4-FFF2-40B4-BE49-F238E27FC236}">
+                <a16:creationId xmlns:a16="http://schemas.microsoft.com/office/drawing/2014/main" id="{3EA09FCE-500D-4A64-A141-AEEFB1FEB3B9}"/>
+              </a:ext>
+            </a:extLst>
+          </p:cNvPr>
+          <p:cNvCxnSpPr>
+            <a:cxnSpLocks/>
+          </p:cNvCxnSpPr>
+          <p:nvPr/>
+        </p:nvCxnSpPr>
+        <p:spPr>
+          <a:xfrm flipV="1">
+            <a:off x="2575249" y="3152274"/>
+            <a:ext cx="1515488" cy="953195"/>
+          </a:xfrm>
+          <a:prstGeom prst="straightConnector1">
+            <a:avLst/>
+          </a:prstGeom>
+          <a:ln>
+            <a:tailEnd type="triangle"/>
+          </a:ln>
+        </p:spPr>
+        <p:style>
+          <a:lnRef idx="1">
+            <a:schemeClr val="dk1"/>
+          </a:lnRef>
+          <a:fillRef idx="0">
+            <a:schemeClr val="dk1"/>
+          </a:fillRef>
+          <a:effectRef idx="0">
+            <a:schemeClr val="dk1"/>
+          </a:effectRef>
+          <a:fontRef idx="minor">
+            <a:schemeClr val="tx1"/>
+          </a:fontRef>
+        </p:style>
+      </p:cxnSp>
+      <p:cxnSp>
+        <p:nvCxnSpPr>
+          <p:cNvPr id="14" name="Connecteur droit avec flèche 13">
+            <a:extLst>
+              <a:ext uri="{FF2B5EF4-FFF2-40B4-BE49-F238E27FC236}">
+                <a16:creationId xmlns:a16="http://schemas.microsoft.com/office/drawing/2014/main" id="{36AA293C-D23F-4DC6-9B78-D713326FC7E1}"/>
+              </a:ext>
+            </a:extLst>
+          </p:cNvPr>
+          <p:cNvCxnSpPr>
+            <a:cxnSpLocks/>
+          </p:cNvCxnSpPr>
+          <p:nvPr/>
+        </p:nvCxnSpPr>
+        <p:spPr>
+          <a:xfrm>
+            <a:off x="6096000" y="3216442"/>
+            <a:ext cx="1465935" cy="1010653"/>
+          </a:xfrm>
+          <a:prstGeom prst="straightConnector1">
+            <a:avLst/>
+          </a:prstGeom>
+          <a:ln>
+            <a:tailEnd type="triangle"/>
+          </a:ln>
+        </p:spPr>
+        <p:style>
+          <a:lnRef idx="1">
+            <a:schemeClr val="dk1"/>
+          </a:lnRef>
+          <a:fillRef idx="0">
+            <a:schemeClr val="dk1"/>
+          </a:fillRef>
+          <a:effectRef idx="0">
+            <a:schemeClr val="dk1"/>
+          </a:effectRef>
+          <a:fontRef idx="minor">
+            <a:schemeClr val="tx1"/>
+          </a:fontRef>
+        </p:style>
+      </p:cxnSp>
+      <p:cxnSp>
+        <p:nvCxnSpPr>
+          <p:cNvPr id="19" name="Connecteur droit avec flèche 18">
+            <a:extLst>
+              <a:ext uri="{FF2B5EF4-FFF2-40B4-BE49-F238E27FC236}">
+                <a16:creationId xmlns:a16="http://schemas.microsoft.com/office/drawing/2014/main" id="{8C468A24-8218-450D-81D4-80FEBA7701C5}"/>
+              </a:ext>
+            </a:extLst>
+          </p:cNvPr>
+          <p:cNvCxnSpPr>
+            <a:cxnSpLocks/>
+          </p:cNvCxnSpPr>
+          <p:nvPr/>
+        </p:nvCxnSpPr>
+        <p:spPr>
+          <a:xfrm flipH="1">
+            <a:off x="2638745" y="3291809"/>
+            <a:ext cx="1509788" cy="935286"/>
+          </a:xfrm>
+          <a:prstGeom prst="straightConnector1">
+            <a:avLst/>
+          </a:prstGeom>
+          <a:ln>
+            <a:tailEnd type="triangle"/>
+          </a:ln>
+        </p:spPr>
+        <p:style>
+          <a:lnRef idx="1">
+            <a:schemeClr val="dk1"/>
+          </a:lnRef>
+          <a:fillRef idx="0">
+            <a:schemeClr val="dk1"/>
+          </a:fillRef>
+          <a:effectRef idx="0">
+            <a:schemeClr val="dk1"/>
+          </a:effectRef>
+          <a:fontRef idx="minor">
+            <a:schemeClr val="tx1"/>
+          </a:fontRef>
+        </p:style>
+      </p:cxnSp>
+      <p:cxnSp>
+        <p:nvCxnSpPr>
+          <p:cNvPr id="23" name="Connecteur droit avec flèche 22">
+            <a:extLst>
+              <a:ext uri="{FF2B5EF4-FFF2-40B4-BE49-F238E27FC236}">
+                <a16:creationId xmlns:a16="http://schemas.microsoft.com/office/drawing/2014/main" id="{0E5A3C3C-517B-4C41-AADC-C9CB585D24B0}"/>
+              </a:ext>
+            </a:extLst>
+          </p:cNvPr>
+          <p:cNvCxnSpPr>
+            <a:cxnSpLocks/>
+          </p:cNvCxnSpPr>
+          <p:nvPr/>
+        </p:nvCxnSpPr>
+        <p:spPr>
+          <a:xfrm flipH="1" flipV="1">
+            <a:off x="5953751" y="3295165"/>
+            <a:ext cx="1497807" cy="1024581"/>
+          </a:xfrm>
+          <a:prstGeom prst="straightConnector1">
+            <a:avLst/>
+          </a:prstGeom>
+          <a:ln>
+            <a:tailEnd type="triangle"/>
+          </a:ln>
+        </p:spPr>
+        <p:style>
+          <a:lnRef idx="1">
+            <a:schemeClr val="dk1"/>
+          </a:lnRef>
+          <a:fillRef idx="0">
+            <a:schemeClr val="dk1"/>
+          </a:fillRef>
+          <a:effectRef idx="0">
+            <a:schemeClr val="dk1"/>
+          </a:effectRef>
+          <a:fontRef idx="minor">
+            <a:schemeClr val="tx1"/>
+          </a:fontRef>
+        </p:style>
+      </p:cxnSp>
+      <p:sp>
+        <p:nvSpPr>
+          <p:cNvPr id="21" name="ZoneTexte 20">
+            <a:extLst>
+              <a:ext uri="{FF2B5EF4-FFF2-40B4-BE49-F238E27FC236}">
+                <a16:creationId xmlns:a16="http://schemas.microsoft.com/office/drawing/2014/main" id="{04186727-9B4F-4983-82FC-2C5E6C648F0F}"/>
+              </a:ext>
+            </a:extLst>
+          </p:cNvPr>
+          <p:cNvSpPr txBox="1"/>
+          <p:nvPr/>
+        </p:nvSpPr>
+        <p:spPr>
+          <a:xfrm>
+            <a:off x="3872641" y="1146579"/>
+            <a:ext cx="2206053" cy="369332"/>
+          </a:xfrm>
+          <a:prstGeom prst="rect">
+            <a:avLst/>
+          </a:prstGeom>
+          <a:noFill/>
+        </p:spPr>
+        <p:txBody>
+          <a:bodyPr wrap="none" rtlCol="0">
+            <a:spAutoFit/>
+          </a:bodyPr>
+          <a:lstStyle/>
+          <a:p>
+            <a:r>
+              <a:rPr lang="fr-FR" dirty="0"/>
+              <a:t>La base de données</a:t>
+            </a:r>
+          </a:p>
+        </p:txBody>
+      </p:sp>
+      <p:sp>
+        <p:nvSpPr>
+          <p:cNvPr id="27" name="ZoneTexte 26">
+            <a:extLst>
+              <a:ext uri="{FF2B5EF4-FFF2-40B4-BE49-F238E27FC236}">
+                <a16:creationId xmlns:a16="http://schemas.microsoft.com/office/drawing/2014/main" id="{720DA534-7893-4A6E-A921-BD2319C944BE}"/>
+              </a:ext>
+            </a:extLst>
+          </p:cNvPr>
+          <p:cNvSpPr txBox="1"/>
+          <p:nvPr/>
+        </p:nvSpPr>
+        <p:spPr>
+          <a:xfrm>
+            <a:off x="861072" y="5588504"/>
+            <a:ext cx="1517467" cy="369332"/>
+          </a:xfrm>
+          <a:prstGeom prst="rect">
+            <a:avLst/>
+          </a:prstGeom>
+          <a:noFill/>
+        </p:spPr>
+        <p:txBody>
+          <a:bodyPr wrap="none" rtlCol="0">
+            <a:spAutoFit/>
+          </a:bodyPr>
+          <a:lstStyle/>
+          <a:p>
+            <a:r>
+              <a:rPr lang="fr-FR" dirty="0"/>
+              <a:t>L’application</a:t>
+            </a:r>
+          </a:p>
+        </p:txBody>
+      </p:sp>
+      <p:sp>
+        <p:nvSpPr>
+          <p:cNvPr id="28" name="ZoneTexte 27">
+            <a:extLst>
+              <a:ext uri="{FF2B5EF4-FFF2-40B4-BE49-F238E27FC236}">
+                <a16:creationId xmlns:a16="http://schemas.microsoft.com/office/drawing/2014/main" id="{70C1CDD3-7BAA-4FF6-8786-1BA4B3535CB5}"/>
+              </a:ext>
+            </a:extLst>
+          </p:cNvPr>
+          <p:cNvSpPr txBox="1"/>
+          <p:nvPr/>
+        </p:nvSpPr>
+        <p:spPr>
+          <a:xfrm>
+            <a:off x="8222089" y="5588504"/>
+            <a:ext cx="717569" cy="369332"/>
+          </a:xfrm>
+          <a:prstGeom prst="rect">
+            <a:avLst/>
+          </a:prstGeom>
+          <a:noFill/>
+        </p:spPr>
+        <p:txBody>
+          <a:bodyPr wrap="none" rtlCol="0">
+            <a:spAutoFit/>
+          </a:bodyPr>
+          <a:lstStyle/>
+          <a:p>
+            <a:r>
+              <a:rPr lang="fr-FR" dirty="0"/>
+              <a:t>L’IOT</a:t>
+            </a:r>
+          </a:p>
+        </p:txBody>
+      </p:sp>
+    </p:spTree>
+    <p:extLst>
+      <p:ext uri="{BB962C8B-B14F-4D97-AF65-F5344CB8AC3E}">
+        <p14:creationId xmlns:p14="http://schemas.microsoft.com/office/powerpoint/2010/main" val="499927749"/>
+      </p:ext>
+    </p:extLst>
+  </p:cSld>
+  <p:clrMapOvr>
+    <a:masterClrMapping/>
+  </p:clrMapOvr>
+</p:sld>
+</file>
+
+<file path=ppt/slides/slide4.xml><?xml version="1.0" encoding="utf-8"?>
 <p:sld xmlns:a="http://schemas.openxmlformats.org/drawingml/2006/main" xmlns:r="http://schemas.openxmlformats.org/officeDocument/2006/relationships" xmlns:p="http://schemas.openxmlformats.org/presentationml/2006/main">
   <p:cSld>
     <p:bg>
@@ -6611,824 +7147,6 @@
 </p:sld>
 </file>
 
-<file path=ppt/slides/slide4.xml><?xml version="1.0" encoding="utf-8"?>
-<p:sld xmlns:a="http://schemas.openxmlformats.org/drawingml/2006/main" xmlns:r="http://schemas.openxmlformats.org/officeDocument/2006/relationships" xmlns:p="http://schemas.openxmlformats.org/presentationml/2006/main">
-  <p:cSld>
-    <p:bg>
-      <p:bgPr>
-        <a:solidFill>
-          <a:schemeClr val="bg2"/>
-        </a:solidFill>
-        <a:effectLst/>
-      </p:bgPr>
-    </p:bg>
-    <p:spTree>
-      <p:nvGrpSpPr>
-        <p:cNvPr id="1" name=""/>
-        <p:cNvGrpSpPr/>
-        <p:nvPr/>
-      </p:nvGrpSpPr>
-      <p:grpSpPr>
-        <a:xfrm>
-          <a:off x="0" y="0"/>
-          <a:ext cx="0" cy="0"/>
-          <a:chOff x="0" y="0"/>
-          <a:chExt cx="0" cy="0"/>
-        </a:xfrm>
-      </p:grpSpPr>
-      <p:grpSp>
-        <p:nvGrpSpPr>
-          <p:cNvPr id="12" name="Group 11">
-            <a:extLst>
-              <a:ext uri="{FF2B5EF4-FFF2-40B4-BE49-F238E27FC236}">
-                <a16:creationId xmlns:a16="http://schemas.microsoft.com/office/drawing/2014/main" id="{E0BF35CA-8AA0-428F-ABED-5B77A6C39154}"/>
-              </a:ext>
-              <a:ext uri="{C183D7F6-B498-43B3-948B-1728B52AA6E4}">
-                <adec:decorative xmlns:adec="http://schemas.microsoft.com/office/drawing/2017/decorative" val="1"/>
-              </a:ext>
-            </a:extLst>
-          </p:cNvPr>
-          <p:cNvGrpSpPr>
-            <a:grpSpLocks noGrp="1" noUngrp="1" noRot="1" noChangeAspect="1" noMove="1" noResize="1"/>
-          </p:cNvGrpSpPr>
-          <p:nvPr>
-            <p:extLst>
-              <p:ext uri="{386F3935-93C4-4BCD-93E2-E3B085C9AB24}">
-                <p16:designElem xmlns:p16="http://schemas.microsoft.com/office/powerpoint/2015/main" val="1"/>
-              </p:ext>
-            </p:extLst>
-          </p:nvPr>
-        </p:nvGrpSpPr>
-        <p:grpSpPr>
-          <a:xfrm>
-            <a:off x="0" y="-8467"/>
-            <a:ext cx="12192000" cy="6866467"/>
-            <a:chOff x="0" y="-8467"/>
-            <a:chExt cx="12192000" cy="6866467"/>
-          </a:xfrm>
-        </p:grpSpPr>
-        <p:cxnSp>
-          <p:nvCxnSpPr>
-            <p:cNvPr id="13" name="Straight Connector 12">
-              <a:extLst>
-                <a:ext uri="{FF2B5EF4-FFF2-40B4-BE49-F238E27FC236}">
-                  <a16:creationId xmlns:a16="http://schemas.microsoft.com/office/drawing/2014/main" id="{FA4A156A-791B-4BD9-8452-A798A15D22C1}"/>
-                </a:ext>
-                <a:ext uri="{C183D7F6-B498-43B3-948B-1728B52AA6E4}">
-                  <adec:decorative xmlns:adec="http://schemas.microsoft.com/office/drawing/2017/decorative" val="1"/>
-                </a:ext>
-              </a:extLst>
-            </p:cNvPr>
-            <p:cNvCxnSpPr/>
-            <p:nvPr>
-              <p:extLst>
-                <p:ext uri="{386F3935-93C4-4BCD-93E2-E3B085C9AB24}">
-                  <p16:designElem xmlns:p16="http://schemas.microsoft.com/office/powerpoint/2015/main" val="1"/>
-                </p:ext>
-              </p:extLst>
-            </p:nvPr>
-          </p:nvCxnSpPr>
-          <p:spPr>
-            <a:xfrm>
-              <a:off x="9371012" y="0"/>
-              <a:ext cx="1219200" cy="6858000"/>
-            </a:xfrm>
-            <a:prstGeom prst="line">
-              <a:avLst/>
-            </a:prstGeom>
-            <a:ln w="9525">
-              <a:solidFill>
-                <a:schemeClr val="bg1">
-                  <a:lumMod val="85000"/>
-                  <a:lumOff val="15000"/>
-                </a:schemeClr>
-              </a:solidFill>
-            </a:ln>
-          </p:spPr>
-          <p:style>
-            <a:lnRef idx="2">
-              <a:schemeClr val="accent1"/>
-            </a:lnRef>
-            <a:fillRef idx="0">
-              <a:schemeClr val="accent1"/>
-            </a:fillRef>
-            <a:effectRef idx="1">
-              <a:schemeClr val="accent1"/>
-            </a:effectRef>
-            <a:fontRef idx="minor">
-              <a:schemeClr val="tx1"/>
-            </a:fontRef>
-          </p:style>
-        </p:cxnSp>
-        <p:cxnSp>
-          <p:nvCxnSpPr>
-            <p:cNvPr id="14" name="Straight Connector 13">
-              <a:extLst>
-                <a:ext uri="{FF2B5EF4-FFF2-40B4-BE49-F238E27FC236}">
-                  <a16:creationId xmlns:a16="http://schemas.microsoft.com/office/drawing/2014/main" id="{27652CB1-59D3-4DAB-AD45-8DFB738958E1}"/>
-                </a:ext>
-                <a:ext uri="{C183D7F6-B498-43B3-948B-1728B52AA6E4}">
-                  <adec:decorative xmlns:adec="http://schemas.microsoft.com/office/drawing/2017/decorative" val="1"/>
-                </a:ext>
-              </a:extLst>
-            </p:cNvPr>
-            <p:cNvCxnSpPr/>
-            <p:nvPr>
-              <p:extLst>
-                <p:ext uri="{386F3935-93C4-4BCD-93E2-E3B085C9AB24}">
-                  <p16:designElem xmlns:p16="http://schemas.microsoft.com/office/powerpoint/2015/main" val="1"/>
-                </p:ext>
-              </p:extLst>
-            </p:nvPr>
-          </p:nvCxnSpPr>
-          <p:spPr>
-            <a:xfrm flipH="1">
-              <a:off x="7425267" y="3681413"/>
-              <a:ext cx="4763558" cy="3176587"/>
-            </a:xfrm>
-            <a:prstGeom prst="line">
-              <a:avLst/>
-            </a:prstGeom>
-            <a:ln w="9525">
-              <a:solidFill>
-                <a:schemeClr val="bg1">
-                  <a:lumMod val="85000"/>
-                  <a:lumOff val="15000"/>
-                </a:schemeClr>
-              </a:solidFill>
-            </a:ln>
-          </p:spPr>
-          <p:style>
-            <a:lnRef idx="2">
-              <a:schemeClr val="accent1"/>
-            </a:lnRef>
-            <a:fillRef idx="0">
-              <a:schemeClr val="accent1"/>
-            </a:fillRef>
-            <a:effectRef idx="1">
-              <a:schemeClr val="accent1"/>
-            </a:effectRef>
-            <a:fontRef idx="minor">
-              <a:schemeClr val="tx1"/>
-            </a:fontRef>
-          </p:style>
-        </p:cxnSp>
-        <p:sp>
-          <p:nvSpPr>
-            <p:cNvPr id="15" name="Rectangle 23">
-              <a:extLst>
-                <a:ext uri="{FF2B5EF4-FFF2-40B4-BE49-F238E27FC236}">
-                  <a16:creationId xmlns:a16="http://schemas.microsoft.com/office/drawing/2014/main" id="{83539C1B-883E-4130-95FA-2A6FD3E49A6A}"/>
-                </a:ext>
-                <a:ext uri="{C183D7F6-B498-43B3-948B-1728B52AA6E4}">
-                  <adec:decorative xmlns:adec="http://schemas.microsoft.com/office/drawing/2017/decorative" val="1"/>
-                </a:ext>
-              </a:extLst>
-            </p:cNvPr>
-            <p:cNvSpPr/>
-            <p:nvPr>
-              <p:extLst>
-                <p:ext uri="{386F3935-93C4-4BCD-93E2-E3B085C9AB24}">
-                  <p16:designElem xmlns:p16="http://schemas.microsoft.com/office/powerpoint/2015/main" val="1"/>
-                </p:ext>
-              </p:extLst>
-            </p:nvPr>
-          </p:nvSpPr>
-          <p:spPr>
-            <a:xfrm>
-              <a:off x="9181476" y="-8467"/>
-              <a:ext cx="3007349" cy="6866467"/>
-            </a:xfrm>
-            <a:custGeom>
-              <a:avLst/>
-              <a:gdLst/>
-              <a:ahLst/>
-              <a:cxnLst/>
-              <a:rect l="l" t="t" r="r" b="b"/>
-              <a:pathLst>
-                <a:path w="3007349" h="6866467">
-                  <a:moveTo>
-                    <a:pt x="2045532" y="0"/>
-                  </a:moveTo>
-                  <a:lnTo>
-                    <a:pt x="3007349" y="0"/>
-                  </a:lnTo>
-                  <a:lnTo>
-                    <a:pt x="3007349" y="6866467"/>
-                  </a:lnTo>
-                  <a:lnTo>
-                    <a:pt x="0" y="6866467"/>
-                  </a:lnTo>
-                  <a:lnTo>
-                    <a:pt x="2045532" y="0"/>
-                  </a:lnTo>
-                  <a:close/>
-                </a:path>
-              </a:pathLst>
-            </a:custGeom>
-            <a:solidFill>
-              <a:schemeClr val="accent1">
-                <a:alpha val="30000"/>
-              </a:schemeClr>
-            </a:solidFill>
-            <a:ln>
-              <a:noFill/>
-            </a:ln>
-            <a:effectLst/>
-          </p:spPr>
-          <p:style>
-            <a:lnRef idx="1">
-              <a:schemeClr val="accent1"/>
-            </a:lnRef>
-            <a:fillRef idx="3">
-              <a:schemeClr val="accent1"/>
-            </a:fillRef>
-            <a:effectRef idx="2">
-              <a:schemeClr val="accent1"/>
-            </a:effectRef>
-            <a:fontRef idx="minor">
-              <a:schemeClr val="lt1"/>
-            </a:fontRef>
-          </p:style>
-        </p:sp>
-        <p:sp>
-          <p:nvSpPr>
-            <p:cNvPr id="16" name="Rectangle 25">
-              <a:extLst>
-                <a:ext uri="{FF2B5EF4-FFF2-40B4-BE49-F238E27FC236}">
-                  <a16:creationId xmlns:a16="http://schemas.microsoft.com/office/drawing/2014/main" id="{244CEE5F-144C-437F-9472-22EE3E3D1C9A}"/>
-                </a:ext>
-                <a:ext uri="{C183D7F6-B498-43B3-948B-1728B52AA6E4}">
-                  <adec:decorative xmlns:adec="http://schemas.microsoft.com/office/drawing/2017/decorative" val="1"/>
-                </a:ext>
-              </a:extLst>
-            </p:cNvPr>
-            <p:cNvSpPr/>
-            <p:nvPr>
-              <p:extLst>
-                <p:ext uri="{386F3935-93C4-4BCD-93E2-E3B085C9AB24}">
-                  <p16:designElem xmlns:p16="http://schemas.microsoft.com/office/powerpoint/2015/main" val="1"/>
-                </p:ext>
-              </p:extLst>
-            </p:nvPr>
-          </p:nvSpPr>
-          <p:spPr>
-            <a:xfrm>
-              <a:off x="9603442" y="-8467"/>
-              <a:ext cx="2588558" cy="6866467"/>
-            </a:xfrm>
-            <a:custGeom>
-              <a:avLst/>
-              <a:gdLst/>
-              <a:ahLst/>
-              <a:cxnLst/>
-              <a:rect l="l" t="t" r="r" b="b"/>
-              <a:pathLst>
-                <a:path w="2573311" h="6866467">
-                  <a:moveTo>
-                    <a:pt x="0" y="0"/>
-                  </a:moveTo>
-                  <a:lnTo>
-                    <a:pt x="2573311" y="0"/>
-                  </a:lnTo>
-                  <a:lnTo>
-                    <a:pt x="2573311" y="6866467"/>
-                  </a:lnTo>
-                  <a:lnTo>
-                    <a:pt x="1202336" y="6866467"/>
-                  </a:lnTo>
-                  <a:lnTo>
-                    <a:pt x="0" y="0"/>
-                  </a:lnTo>
-                  <a:close/>
-                </a:path>
-              </a:pathLst>
-            </a:custGeom>
-            <a:solidFill>
-              <a:schemeClr val="accent1">
-                <a:alpha val="20000"/>
-              </a:schemeClr>
-            </a:solidFill>
-            <a:ln>
-              <a:noFill/>
-            </a:ln>
-            <a:effectLst/>
-          </p:spPr>
-          <p:style>
-            <a:lnRef idx="1">
-              <a:schemeClr val="accent1"/>
-            </a:lnRef>
-            <a:fillRef idx="3">
-              <a:schemeClr val="accent1"/>
-            </a:fillRef>
-            <a:effectRef idx="2">
-              <a:schemeClr val="accent1"/>
-            </a:effectRef>
-            <a:fontRef idx="minor">
-              <a:schemeClr val="lt1"/>
-            </a:fontRef>
-          </p:style>
-        </p:sp>
-        <p:sp>
-          <p:nvSpPr>
-            <p:cNvPr id="17" name="Isosceles Triangle 16">
-              <a:extLst>
-                <a:ext uri="{FF2B5EF4-FFF2-40B4-BE49-F238E27FC236}">
-                  <a16:creationId xmlns:a16="http://schemas.microsoft.com/office/drawing/2014/main" id="{0621BB31-AA71-4E9B-8854-3C62F162FE19}"/>
-                </a:ext>
-                <a:ext uri="{C183D7F6-B498-43B3-948B-1728B52AA6E4}">
-                  <adec:decorative xmlns:adec="http://schemas.microsoft.com/office/drawing/2017/decorative" val="1"/>
-                </a:ext>
-              </a:extLst>
-            </p:cNvPr>
-            <p:cNvSpPr/>
-            <p:nvPr>
-              <p:extLst>
-                <p:ext uri="{386F3935-93C4-4BCD-93E2-E3B085C9AB24}">
-                  <p16:designElem xmlns:p16="http://schemas.microsoft.com/office/powerpoint/2015/main" val="1"/>
-                </p:ext>
-              </p:extLst>
-            </p:nvPr>
-          </p:nvSpPr>
-          <p:spPr>
-            <a:xfrm>
-              <a:off x="8932333" y="3048000"/>
-              <a:ext cx="3259667" cy="3810000"/>
-            </a:xfrm>
-            <a:prstGeom prst="triangle">
-              <a:avLst>
-                <a:gd name="adj" fmla="val 100000"/>
-              </a:avLst>
-            </a:prstGeom>
-            <a:solidFill>
-              <a:schemeClr val="accent2">
-                <a:alpha val="72000"/>
-              </a:schemeClr>
-            </a:solidFill>
-            <a:ln>
-              <a:noFill/>
-            </a:ln>
-            <a:effectLst/>
-          </p:spPr>
-          <p:style>
-            <a:lnRef idx="1">
-              <a:schemeClr val="accent1"/>
-            </a:lnRef>
-            <a:fillRef idx="3">
-              <a:schemeClr val="accent1"/>
-            </a:fillRef>
-            <a:effectRef idx="2">
-              <a:schemeClr val="accent1"/>
-            </a:effectRef>
-            <a:fontRef idx="minor">
-              <a:schemeClr val="lt1"/>
-            </a:fontRef>
-          </p:style>
-        </p:sp>
-        <p:sp>
-          <p:nvSpPr>
-            <p:cNvPr id="18" name="Rectangle 27">
-              <a:extLst>
-                <a:ext uri="{FF2B5EF4-FFF2-40B4-BE49-F238E27FC236}">
-                  <a16:creationId xmlns:a16="http://schemas.microsoft.com/office/drawing/2014/main" id="{5336141D-E3C6-4E7B-8923-B31C3E16F017}"/>
-                </a:ext>
-                <a:ext uri="{C183D7F6-B498-43B3-948B-1728B52AA6E4}">
-                  <adec:decorative xmlns:adec="http://schemas.microsoft.com/office/drawing/2017/decorative" val="1"/>
-                </a:ext>
-              </a:extLst>
-            </p:cNvPr>
-            <p:cNvSpPr/>
-            <p:nvPr>
-              <p:extLst>
-                <p:ext uri="{386F3935-93C4-4BCD-93E2-E3B085C9AB24}">
-                  <p16:designElem xmlns:p16="http://schemas.microsoft.com/office/powerpoint/2015/main" val="1"/>
-                </p:ext>
-              </p:extLst>
-            </p:nvPr>
-          </p:nvSpPr>
-          <p:spPr>
-            <a:xfrm>
-              <a:off x="9334500" y="-8467"/>
-              <a:ext cx="2854326" cy="6866467"/>
-            </a:xfrm>
-            <a:custGeom>
-              <a:avLst/>
-              <a:gdLst/>
-              <a:ahLst/>
-              <a:cxnLst/>
-              <a:rect l="l" t="t" r="r" b="b"/>
-              <a:pathLst>
-                <a:path w="2858013" h="6866467">
-                  <a:moveTo>
-                    <a:pt x="0" y="0"/>
-                  </a:moveTo>
-                  <a:lnTo>
-                    <a:pt x="2858013" y="0"/>
-                  </a:lnTo>
-                  <a:lnTo>
-                    <a:pt x="2858013" y="6866467"/>
-                  </a:lnTo>
-                  <a:lnTo>
-                    <a:pt x="2473942" y="6866467"/>
-                  </a:lnTo>
-                  <a:lnTo>
-                    <a:pt x="0" y="0"/>
-                  </a:lnTo>
-                  <a:close/>
-                </a:path>
-              </a:pathLst>
-            </a:custGeom>
-            <a:solidFill>
-              <a:schemeClr val="accent2">
-                <a:lumMod val="75000"/>
-                <a:alpha val="70000"/>
-              </a:schemeClr>
-            </a:solidFill>
-            <a:ln>
-              <a:noFill/>
-            </a:ln>
-            <a:effectLst/>
-          </p:spPr>
-          <p:style>
-            <a:lnRef idx="1">
-              <a:schemeClr val="accent1"/>
-            </a:lnRef>
-            <a:fillRef idx="3">
-              <a:schemeClr val="accent1"/>
-            </a:fillRef>
-            <a:effectRef idx="2">
-              <a:schemeClr val="accent1"/>
-            </a:effectRef>
-            <a:fontRef idx="minor">
-              <a:schemeClr val="lt1"/>
-            </a:fontRef>
-          </p:style>
-        </p:sp>
-        <p:sp>
-          <p:nvSpPr>
-            <p:cNvPr id="19" name="Rectangle 28">
-              <a:extLst>
-                <a:ext uri="{FF2B5EF4-FFF2-40B4-BE49-F238E27FC236}">
-                  <a16:creationId xmlns:a16="http://schemas.microsoft.com/office/drawing/2014/main" id="{F113BE6F-9D13-4E70-B7AB-C8CC2546ADB7}"/>
-                </a:ext>
-                <a:ext uri="{C183D7F6-B498-43B3-948B-1728B52AA6E4}">
-                  <adec:decorative xmlns:adec="http://schemas.microsoft.com/office/drawing/2017/decorative" val="1"/>
-                </a:ext>
-              </a:extLst>
-            </p:cNvPr>
-            <p:cNvSpPr/>
-            <p:nvPr>
-              <p:extLst>
-                <p:ext uri="{386F3935-93C4-4BCD-93E2-E3B085C9AB24}">
-                  <p16:designElem xmlns:p16="http://schemas.microsoft.com/office/powerpoint/2015/main" val="1"/>
-                </p:ext>
-              </p:extLst>
-            </p:nvPr>
-          </p:nvSpPr>
-          <p:spPr>
-            <a:xfrm>
-              <a:off x="10898730" y="-8467"/>
-              <a:ext cx="1290094" cy="6866467"/>
-            </a:xfrm>
-            <a:custGeom>
-              <a:avLst/>
-              <a:gdLst/>
-              <a:ahLst/>
-              <a:cxnLst/>
-              <a:rect l="l" t="t" r="r" b="b"/>
-              <a:pathLst>
-                <a:path w="1290094" h="6858000">
-                  <a:moveTo>
-                    <a:pt x="1019735" y="0"/>
-                  </a:moveTo>
-                  <a:lnTo>
-                    <a:pt x="1290094" y="0"/>
-                  </a:lnTo>
-                  <a:lnTo>
-                    <a:pt x="1290094" y="6858000"/>
-                  </a:lnTo>
-                  <a:lnTo>
-                    <a:pt x="0" y="6858000"/>
-                  </a:lnTo>
-                  <a:lnTo>
-                    <a:pt x="1019735" y="0"/>
-                  </a:lnTo>
-                  <a:close/>
-                </a:path>
-              </a:pathLst>
-            </a:custGeom>
-            <a:solidFill>
-              <a:schemeClr val="accent1">
-                <a:lumMod val="60000"/>
-                <a:lumOff val="40000"/>
-                <a:alpha val="70000"/>
-              </a:schemeClr>
-            </a:solidFill>
-            <a:ln>
-              <a:noFill/>
-            </a:ln>
-            <a:effectLst/>
-          </p:spPr>
-          <p:style>
-            <a:lnRef idx="1">
-              <a:schemeClr val="accent1"/>
-            </a:lnRef>
-            <a:fillRef idx="3">
-              <a:schemeClr val="accent1"/>
-            </a:fillRef>
-            <a:effectRef idx="2">
-              <a:schemeClr val="accent1"/>
-            </a:effectRef>
-            <a:fontRef idx="minor">
-              <a:schemeClr val="lt1"/>
-            </a:fontRef>
-          </p:style>
-        </p:sp>
-        <p:sp>
-          <p:nvSpPr>
-            <p:cNvPr id="20" name="Rectangle 29">
-              <a:extLst>
-                <a:ext uri="{FF2B5EF4-FFF2-40B4-BE49-F238E27FC236}">
-                  <a16:creationId xmlns:a16="http://schemas.microsoft.com/office/drawing/2014/main" id="{FBEB82C3-C636-4A90-B9A5-905EC38E01B3}"/>
-                </a:ext>
-                <a:ext uri="{C183D7F6-B498-43B3-948B-1728B52AA6E4}">
-                  <adec:decorative xmlns:adec="http://schemas.microsoft.com/office/drawing/2017/decorative" val="1"/>
-                </a:ext>
-              </a:extLst>
-            </p:cNvPr>
-            <p:cNvSpPr/>
-            <p:nvPr>
-              <p:extLst>
-                <p:ext uri="{386F3935-93C4-4BCD-93E2-E3B085C9AB24}">
-                  <p16:designElem xmlns:p16="http://schemas.microsoft.com/office/powerpoint/2015/main" val="1"/>
-                </p:ext>
-              </p:extLst>
-            </p:nvPr>
-          </p:nvSpPr>
-          <p:spPr>
-            <a:xfrm>
-              <a:off x="10938999" y="-8467"/>
-              <a:ext cx="1249825" cy="6866467"/>
-            </a:xfrm>
-            <a:custGeom>
-              <a:avLst/>
-              <a:gdLst/>
-              <a:ahLst/>
-              <a:cxnLst/>
-              <a:rect l="l" t="t" r="r" b="b"/>
-              <a:pathLst>
-                <a:path w="1249825" h="6858000">
-                  <a:moveTo>
-                    <a:pt x="0" y="0"/>
-                  </a:moveTo>
-                  <a:lnTo>
-                    <a:pt x="1249825" y="0"/>
-                  </a:lnTo>
-                  <a:lnTo>
-                    <a:pt x="1249825" y="6858000"/>
-                  </a:lnTo>
-                  <a:lnTo>
-                    <a:pt x="1109382" y="6858000"/>
-                  </a:lnTo>
-                  <a:lnTo>
-                    <a:pt x="0" y="0"/>
-                  </a:lnTo>
-                  <a:close/>
-                </a:path>
-              </a:pathLst>
-            </a:custGeom>
-            <a:solidFill>
-              <a:schemeClr val="accent1">
-                <a:alpha val="65000"/>
-              </a:schemeClr>
-            </a:solidFill>
-            <a:ln>
-              <a:noFill/>
-            </a:ln>
-            <a:effectLst/>
-          </p:spPr>
-          <p:style>
-            <a:lnRef idx="1">
-              <a:schemeClr val="accent1"/>
-            </a:lnRef>
-            <a:fillRef idx="3">
-              <a:schemeClr val="accent1"/>
-            </a:fillRef>
-            <a:effectRef idx="2">
-              <a:schemeClr val="accent1"/>
-            </a:effectRef>
-            <a:fontRef idx="minor">
-              <a:schemeClr val="lt1"/>
-            </a:fontRef>
-          </p:style>
-        </p:sp>
-        <p:sp>
-          <p:nvSpPr>
-            <p:cNvPr id="21" name="Isosceles Triangle 20">
-              <a:extLst>
-                <a:ext uri="{FF2B5EF4-FFF2-40B4-BE49-F238E27FC236}">
-                  <a16:creationId xmlns:a16="http://schemas.microsoft.com/office/drawing/2014/main" id="{646B4C4A-5A81-43CF-93ED-5FA59D5BE763}"/>
-                </a:ext>
-                <a:ext uri="{C183D7F6-B498-43B3-948B-1728B52AA6E4}">
-                  <adec:decorative xmlns:adec="http://schemas.microsoft.com/office/drawing/2017/decorative" val="1"/>
-                </a:ext>
-              </a:extLst>
-            </p:cNvPr>
-            <p:cNvSpPr/>
-            <p:nvPr>
-              <p:extLst>
-                <p:ext uri="{386F3935-93C4-4BCD-93E2-E3B085C9AB24}">
-                  <p16:designElem xmlns:p16="http://schemas.microsoft.com/office/powerpoint/2015/main" val="1"/>
-                </p:ext>
-              </p:extLst>
-            </p:nvPr>
-          </p:nvSpPr>
-          <p:spPr>
-            <a:xfrm>
-              <a:off x="10371666" y="3589867"/>
-              <a:ext cx="1817159" cy="3268133"/>
-            </a:xfrm>
-            <a:prstGeom prst="triangle">
-              <a:avLst>
-                <a:gd name="adj" fmla="val 100000"/>
-              </a:avLst>
-            </a:prstGeom>
-            <a:solidFill>
-              <a:schemeClr val="accent1">
-                <a:alpha val="80000"/>
-              </a:schemeClr>
-            </a:solidFill>
-            <a:ln>
-              <a:noFill/>
-            </a:ln>
-            <a:effectLst/>
-          </p:spPr>
-          <p:style>
-            <a:lnRef idx="1">
-              <a:schemeClr val="accent1"/>
-            </a:lnRef>
-            <a:fillRef idx="3">
-              <a:schemeClr val="accent1"/>
-            </a:fillRef>
-            <a:effectRef idx="2">
-              <a:schemeClr val="accent1"/>
-            </a:effectRef>
-            <a:fontRef idx="minor">
-              <a:schemeClr val="lt1"/>
-            </a:fontRef>
-          </p:style>
-        </p:sp>
-        <p:sp>
-          <p:nvSpPr>
-            <p:cNvPr id="22" name="Isosceles Triangle 21">
-              <a:extLst>
-                <a:ext uri="{FF2B5EF4-FFF2-40B4-BE49-F238E27FC236}">
-                  <a16:creationId xmlns:a16="http://schemas.microsoft.com/office/drawing/2014/main" id="{C3715C1A-EBA1-41A6-AC20-D6A7C48717B4}"/>
-                </a:ext>
-                <a:ext uri="{C183D7F6-B498-43B3-948B-1728B52AA6E4}">
-                  <adec:decorative xmlns:adec="http://schemas.microsoft.com/office/drawing/2017/decorative" val="1"/>
-                </a:ext>
-              </a:extLst>
-            </p:cNvPr>
-            <p:cNvSpPr/>
-            <p:nvPr>
-              <p:extLst>
-                <p:ext uri="{386F3935-93C4-4BCD-93E2-E3B085C9AB24}">
-                  <p16:designElem xmlns:p16="http://schemas.microsoft.com/office/powerpoint/2015/main" val="1"/>
-                </p:ext>
-              </p:extLst>
-            </p:nvPr>
-          </p:nvSpPr>
-          <p:spPr>
-            <a:xfrm rot="10800000">
-              <a:off x="0" y="0"/>
-              <a:ext cx="842596" cy="5666154"/>
-            </a:xfrm>
-            <a:prstGeom prst="triangle">
-              <a:avLst>
-                <a:gd name="adj" fmla="val 100000"/>
-              </a:avLst>
-            </a:prstGeom>
-            <a:solidFill>
-              <a:schemeClr val="accent1">
-                <a:alpha val="85000"/>
-              </a:schemeClr>
-            </a:solidFill>
-            <a:ln>
-              <a:noFill/>
-            </a:ln>
-            <a:effectLst/>
-          </p:spPr>
-          <p:style>
-            <a:lnRef idx="1">
-              <a:schemeClr val="accent1"/>
-            </a:lnRef>
-            <a:fillRef idx="3">
-              <a:schemeClr val="accent1"/>
-            </a:fillRef>
-            <a:effectRef idx="2">
-              <a:schemeClr val="accent1"/>
-            </a:effectRef>
-            <a:fontRef idx="minor">
-              <a:schemeClr val="lt1"/>
-            </a:fontRef>
-          </p:style>
-        </p:sp>
-      </p:grpSp>
-      <p:sp>
-        <p:nvSpPr>
-          <p:cNvPr id="2" name="Titre 1">
-            <a:extLst>
-              <a:ext uri="{FF2B5EF4-FFF2-40B4-BE49-F238E27FC236}">
-                <a16:creationId xmlns:a16="http://schemas.microsoft.com/office/drawing/2014/main" id="{A91620A0-F9F2-4958-95EE-CBE8AD94F691}"/>
-              </a:ext>
-            </a:extLst>
-          </p:cNvPr>
-          <p:cNvSpPr>
-            <a:spLocks noGrp="1"/>
-          </p:cNvSpPr>
-          <p:nvPr>
-            <p:ph type="title"/>
-          </p:nvPr>
-        </p:nvSpPr>
-        <p:spPr>
-          <a:xfrm>
-            <a:off x="995621" y="5666154"/>
-            <a:ext cx="8288032" cy="1096316"/>
-          </a:xfrm>
-        </p:spPr>
-        <p:txBody>
-          <a:bodyPr vert="horz" lIns="91440" tIns="45720" rIns="91440" bIns="45720" rtlCol="0" anchor="b">
-            <a:normAutofit/>
-          </a:bodyPr>
-          <a:lstStyle/>
-          <a:p>
-            <a:pPr algn="ctr"/>
-            <a:r>
-              <a:rPr lang="en-US" sz="4800" dirty="0"/>
-              <a:t>IOT</a:t>
-            </a:r>
-          </a:p>
-        </p:txBody>
-      </p:sp>
-      <p:pic>
-        <p:nvPicPr>
-          <p:cNvPr id="7" name="Espace réservé du contenu 6">
-            <a:extLst>
-              <a:ext uri="{FF2B5EF4-FFF2-40B4-BE49-F238E27FC236}">
-                <a16:creationId xmlns:a16="http://schemas.microsoft.com/office/drawing/2014/main" id="{2CCEF603-1AC9-4B3A-AFBE-566C26654C78}"/>
-              </a:ext>
-            </a:extLst>
-          </p:cNvPr>
-          <p:cNvPicPr>
-            <a:picLocks noGrp="1" noChangeAspect="1"/>
-          </p:cNvPicPr>
-          <p:nvPr>
-            <p:ph idx="1"/>
-          </p:nvPr>
-        </p:nvPicPr>
-        <p:blipFill>
-          <a:blip r:embed="rId2"/>
-          <a:stretch>
-            <a:fillRect/>
-          </a:stretch>
-        </p:blipFill>
-        <p:spPr>
-          <a:xfrm>
-            <a:off x="319213" y="587893"/>
-            <a:ext cx="10358342" cy="4920213"/>
-          </a:xfrm>
-          <a:prstGeom prst="rect">
-            <a:avLst/>
-          </a:prstGeom>
-          <a:ln w="127000" cap="sq">
-            <a:solidFill>
-              <a:srgbClr val="000000"/>
-            </a:solidFill>
-            <a:miter lim="800000"/>
-          </a:ln>
-          <a:effectLst>
-            <a:outerShdw blurRad="57150" dist="50800" dir="2700000" algn="tl" rotWithShape="0">
-              <a:srgbClr val="000000">
-                <a:alpha val="40000"/>
-              </a:srgbClr>
-            </a:outerShdw>
-          </a:effectLst>
-        </p:spPr>
-      </p:pic>
-    </p:spTree>
-    <p:extLst>
-      <p:ext uri="{BB962C8B-B14F-4D97-AF65-F5344CB8AC3E}">
-        <p14:creationId xmlns:p14="http://schemas.microsoft.com/office/powerpoint/2010/main" val="3395765013"/>
-      </p:ext>
-    </p:extLst>
-  </p:cSld>
-  <p:clrMapOvr>
-    <a:masterClrMapping/>
-  </p:clrMapOvr>
-</p:sld>
-</file>
-
 <file path=ppt/slides/slide5.xml><?xml version="1.0" encoding="utf-8"?>
 <p:sld xmlns:a="http://schemas.openxmlformats.org/drawingml/2006/main" xmlns:r="http://schemas.openxmlformats.org/officeDocument/2006/relationships" xmlns:p="http://schemas.openxmlformats.org/presentationml/2006/main">
   <p:cSld>
@@ -8269,7 +7987,7 @@
     <p:bg>
       <p:bgPr>
         <a:solidFill>
-          <a:schemeClr val="bg1"/>
+          <a:schemeClr val="bg2"/>
         </a:solidFill>
         <a:effectLst/>
       </p:bgPr>
@@ -8288,21 +8006,21 @@
           <a:chExt cx="0" cy="0"/>
         </a:xfrm>
       </p:grpSpPr>
-      <p:sp useBgFill="1">
-        <p:nvSpPr>
-          <p:cNvPr id="9" name="Rectangle 8">
+      <p:cxnSp>
+        <p:nvCxnSpPr>
+          <p:cNvPr id="20" name="Straight Connector 19">
             <a:extLst>
               <a:ext uri="{FF2B5EF4-FFF2-40B4-BE49-F238E27FC236}">
-                <a16:creationId xmlns:a16="http://schemas.microsoft.com/office/drawing/2014/main" id="{9F4444CE-BC8D-4D61-B303-4C05614E62AB}"/>
+                <a16:creationId xmlns:a16="http://schemas.microsoft.com/office/drawing/2014/main" id="{0B5F7E3B-C5F1-40E0-A491-558BAFBC1127}"/>
               </a:ext>
               <a:ext uri="{C183D7F6-B498-43B3-948B-1728B52AA6E4}">
                 <adec:decorative xmlns:adec="http://schemas.microsoft.com/office/drawing/2017/decorative" val="1"/>
               </a:ext>
             </a:extLst>
           </p:cNvPr>
-          <p:cNvSpPr>
-            <a:spLocks noGrp="1" noRot="1" noChangeAspect="1" noMove="1" noResize="1" noEditPoints="1" noAdjustHandles="1" noChangeArrowheads="1" noChangeShapeType="1" noTextEdit="1"/>
-          </p:cNvSpPr>
+          <p:cNvCxnSpPr>
+            <a:cxnSpLocks noGrp="1" noRot="1" noChangeAspect="1" noMove="1" noResize="1" noEditPoints="1" noAdjustHandles="1" noChangeArrowheads="1" noChangeShapeType="1"/>
+          </p:cNvCxnSpPr>
           <p:nvPr>
             <p:extLst>
               <p:ext uri="{386F3935-93C4-4BCD-93E2-E3B085C9AB24}">
@@ -8310,168 +8028,31 @@
               </p:ext>
             </p:extLst>
           </p:nvPr>
-        </p:nvSpPr>
+        </p:nvCxnSpPr>
         <p:spPr>
           <a:xfrm>
-            <a:off x="0" y="0"/>
-            <a:ext cx="12192000" cy="6858000"/>
+            <a:off x="4241804" y="1460500"/>
+            <a:ext cx="0" cy="3937000"/>
           </a:xfrm>
-          <a:prstGeom prst="rect">
+          <a:prstGeom prst="line">
             <a:avLst/>
           </a:prstGeom>
-          <a:ln>
-            <a:noFill/>
-          </a:ln>
         </p:spPr>
         <p:style>
-          <a:lnRef idx="2">
-            <a:schemeClr val="accent1">
-              <a:shade val="50000"/>
-            </a:schemeClr>
+          <a:lnRef idx="1">
+            <a:schemeClr val="accent1"/>
           </a:lnRef>
-          <a:fillRef idx="1">
+          <a:fillRef idx="0">
             <a:schemeClr val="accent1"/>
           </a:fillRef>
           <a:effectRef idx="0">
             <a:schemeClr val="accent1"/>
           </a:effectRef>
           <a:fontRef idx="minor">
-            <a:schemeClr val="lt1"/>
+            <a:schemeClr val="tx1"/>
           </a:fontRef>
         </p:style>
-        <p:txBody>
-          <a:bodyPr rtlCol="0" anchor="ctr"/>
-          <a:lstStyle/>
-          <a:p>
-            <a:pPr algn="ctr"/>
-            <a:endParaRPr lang="en-US"/>
-          </a:p>
-        </p:txBody>
-      </p:sp>
-      <p:sp>
-        <p:nvSpPr>
-          <p:cNvPr id="11" name="Rectangle 10">
-            <a:extLst>
-              <a:ext uri="{FF2B5EF4-FFF2-40B4-BE49-F238E27FC236}">
-                <a16:creationId xmlns:a16="http://schemas.microsoft.com/office/drawing/2014/main" id="{62423CA5-E2E1-4789-B759-9906C1C94063}"/>
-              </a:ext>
-              <a:ext uri="{C183D7F6-B498-43B3-948B-1728B52AA6E4}">
-                <adec:decorative xmlns:adec="http://schemas.microsoft.com/office/drawing/2017/decorative" val="1"/>
-              </a:ext>
-            </a:extLst>
-          </p:cNvPr>
-          <p:cNvSpPr>
-            <a:spLocks noGrp="1" noRot="1" noChangeAspect="1" noMove="1" noResize="1" noEditPoints="1" noAdjustHandles="1" noChangeArrowheads="1" noChangeShapeType="1" noTextEdit="1"/>
-          </p:cNvSpPr>
-          <p:nvPr>
-            <p:extLst>
-              <p:ext uri="{386F3935-93C4-4BCD-93E2-E3B085C9AB24}">
-                <p16:designElem xmlns:p16="http://schemas.microsoft.com/office/powerpoint/2015/main" val="1"/>
-              </p:ext>
-            </p:extLst>
-          </p:nvPr>
-        </p:nvSpPr>
-        <p:spPr>
-          <a:xfrm>
-            <a:off x="0" y="-3"/>
-            <a:ext cx="4660126" cy="6858000"/>
-          </a:xfrm>
-          <a:prstGeom prst="rect">
-            <a:avLst/>
-          </a:prstGeom>
-          <a:solidFill>
-            <a:schemeClr val="tx2"/>
-          </a:solidFill>
-          <a:ln>
-            <a:noFill/>
-          </a:ln>
-          <a:effectLst/>
-        </p:spPr>
-        <p:style>
-          <a:lnRef idx="1">
-            <a:schemeClr val="accent1"/>
-          </a:lnRef>
-          <a:fillRef idx="3">
-            <a:schemeClr val="accent1"/>
-          </a:fillRef>
-          <a:effectRef idx="2">
-            <a:schemeClr val="accent1"/>
-          </a:effectRef>
-          <a:fontRef idx="minor">
-            <a:schemeClr val="lt1"/>
-          </a:fontRef>
-        </p:style>
-        <p:txBody>
-          <a:bodyPr/>
-          <a:lstStyle/>
-          <a:p>
-            <a:endParaRPr lang="en-US"/>
-          </a:p>
-        </p:txBody>
-      </p:sp>
-      <p:sp>
-        <p:nvSpPr>
-          <p:cNvPr id="13" name="Isosceles Triangle 12">
-            <a:extLst>
-              <a:ext uri="{FF2B5EF4-FFF2-40B4-BE49-F238E27FC236}">
-                <a16:creationId xmlns:a16="http://schemas.microsoft.com/office/drawing/2014/main" id="{73772B81-181F-48B7-8826-4D9686D15DF5}"/>
-              </a:ext>
-              <a:ext uri="{C183D7F6-B498-43B3-948B-1728B52AA6E4}">
-                <adec:decorative xmlns:adec="http://schemas.microsoft.com/office/drawing/2017/decorative" val="1"/>
-              </a:ext>
-            </a:extLst>
-          </p:cNvPr>
-          <p:cNvSpPr>
-            <a:spLocks noGrp="1" noRot="1" noChangeAspect="1" noMove="1" noResize="1" noEditPoints="1" noAdjustHandles="1" noChangeArrowheads="1" noChangeShapeType="1" noTextEdit="1"/>
-          </p:cNvSpPr>
-          <p:nvPr>
-            <p:extLst>
-              <p:ext uri="{386F3935-93C4-4BCD-93E2-E3B085C9AB24}">
-                <p16:designElem xmlns:p16="http://schemas.microsoft.com/office/powerpoint/2015/main" val="1"/>
-              </p:ext>
-            </p:extLst>
-          </p:nvPr>
-        </p:nvSpPr>
-        <p:spPr>
-          <a:xfrm rot="10800000">
-            <a:off x="4660127" y="-3"/>
-            <a:ext cx="1056745" cy="6858001"/>
-          </a:xfrm>
-          <a:prstGeom prst="triangle">
-            <a:avLst>
-              <a:gd name="adj" fmla="val 100000"/>
-            </a:avLst>
-          </a:prstGeom>
-          <a:solidFill>
-            <a:schemeClr val="tx2"/>
-          </a:solidFill>
-          <a:ln>
-            <a:noFill/>
-          </a:ln>
-          <a:effectLst/>
-        </p:spPr>
-        <p:style>
-          <a:lnRef idx="1">
-            <a:schemeClr val="accent1"/>
-          </a:lnRef>
-          <a:fillRef idx="3">
-            <a:schemeClr val="accent1"/>
-          </a:fillRef>
-          <a:effectRef idx="2">
-            <a:schemeClr val="accent1"/>
-          </a:effectRef>
-          <a:fontRef idx="minor">
-            <a:schemeClr val="lt1"/>
-          </a:fontRef>
-        </p:style>
-        <p:txBody>
-          <a:bodyPr/>
-          <a:lstStyle/>
-          <a:p>
-            <a:endParaRPr lang="en-US" dirty="0"/>
-          </a:p>
-        </p:txBody>
-      </p:sp>
+      </p:cxnSp>
       <p:sp>
         <p:nvSpPr>
           <p:cNvPr id="2" name="Titre 1">
@@ -8490,8 +8071,8 @@
         </p:nvSpPr>
         <p:spPr>
           <a:xfrm>
-            <a:off x="673754" y="643467"/>
-            <a:ext cx="4203045" cy="1375608"/>
+            <a:off x="643467" y="816638"/>
+            <a:ext cx="3367359" cy="5224724"/>
           </a:xfrm>
         </p:spPr>
         <p:txBody>
@@ -8525,199 +8106,47 @@
         </p:nvSpPr>
         <p:spPr>
           <a:xfrm>
-            <a:off x="673754" y="2160590"/>
-            <a:ext cx="3973943" cy="3440110"/>
+            <a:off x="4654295" y="816638"/>
+            <a:ext cx="4619706" cy="5224724"/>
           </a:xfrm>
         </p:spPr>
         <p:txBody>
-          <a:bodyPr>
+          <a:bodyPr anchor="ctr">
             <a:normAutofit/>
           </a:bodyPr>
           <a:lstStyle/>
           <a:p>
-            <a:endParaRPr lang="fr-FR" dirty="0">
-              <a:solidFill>
-                <a:schemeClr val="bg1"/>
-              </a:solidFill>
-            </a:endParaRPr>
+            <a:endParaRPr lang="fr-FR"/>
           </a:p>
           <a:p>
             <a:r>
-              <a:rPr lang="fr-FR" dirty="0">
-                <a:solidFill>
-                  <a:schemeClr val="bg1"/>
-                </a:solidFill>
-              </a:rPr>
+              <a:rPr lang="fr-FR"/>
               <a:t>2 parties :</a:t>
             </a:r>
           </a:p>
           <a:p>
-            <a:endParaRPr lang="fr-FR" dirty="0">
-              <a:solidFill>
-                <a:schemeClr val="bg1"/>
-              </a:solidFill>
-            </a:endParaRPr>
-          </a:p>
-          <a:p>
-            <a:endParaRPr lang="fr-FR" dirty="0">
-              <a:solidFill>
-                <a:schemeClr val="bg1"/>
-              </a:solidFill>
-            </a:endParaRPr>
+            <a:endParaRPr lang="fr-FR"/>
+          </a:p>
+          <a:p>
+            <a:endParaRPr lang="fr-FR"/>
           </a:p>
           <a:p>
             <a:r>
-              <a:rPr lang="fr-FR" dirty="0">
-                <a:solidFill>
-                  <a:schemeClr val="bg1"/>
-                </a:solidFill>
-              </a:rPr>
+              <a:rPr lang="fr-FR"/>
               <a:t>Créer la Base</a:t>
             </a:r>
           </a:p>
           <a:p>
-            <a:endParaRPr lang="fr-FR" dirty="0">
-              <a:solidFill>
-                <a:schemeClr val="bg1"/>
-              </a:solidFill>
-            </a:endParaRPr>
+            <a:endParaRPr lang="fr-FR"/>
           </a:p>
           <a:p>
             <a:r>
-              <a:rPr lang="fr-FR" dirty="0">
-                <a:solidFill>
-                  <a:schemeClr val="bg1"/>
-                </a:solidFill>
-              </a:rPr>
+              <a:rPr lang="fr-FR"/>
               <a:t>Alimenter la base</a:t>
             </a:r>
           </a:p>
         </p:txBody>
       </p:sp>
-      <p:pic>
-        <p:nvPicPr>
-          <p:cNvPr id="4" name="Image 3">
-            <a:extLst>
-              <a:ext uri="{FF2B5EF4-FFF2-40B4-BE49-F238E27FC236}">
-                <a16:creationId xmlns:a16="http://schemas.microsoft.com/office/drawing/2014/main" id="{68ED6E65-BA56-493B-9CDB-7E94910E79DC}"/>
-              </a:ext>
-            </a:extLst>
-          </p:cNvPr>
-          <p:cNvPicPr>
-            <a:picLocks noChangeAspect="1"/>
-          </p:cNvPicPr>
-          <p:nvPr/>
-        </p:nvPicPr>
-        <p:blipFill rotWithShape="1">
-          <a:blip r:embed="rId2"/>
-          <a:srcRect l="6451"/>
-          <a:stretch/>
-        </p:blipFill>
-        <p:spPr>
-          <a:xfrm>
-            <a:off x="6974780" y="210117"/>
-            <a:ext cx="3776782" cy="4900269"/>
-          </a:xfrm>
-          <a:prstGeom prst="rect">
-            <a:avLst/>
-          </a:prstGeom>
-        </p:spPr>
-      </p:pic>
-      <p:sp>
-        <p:nvSpPr>
-          <p:cNvPr id="15" name="Isosceles Triangle 14">
-            <a:extLst>
-              <a:ext uri="{FF2B5EF4-FFF2-40B4-BE49-F238E27FC236}">
-                <a16:creationId xmlns:a16="http://schemas.microsoft.com/office/drawing/2014/main" id="{B2205F6E-03C6-4E92-877C-E2482F6599AA}"/>
-              </a:ext>
-              <a:ext uri="{C183D7F6-B498-43B3-948B-1728B52AA6E4}">
-                <adec:decorative xmlns:adec="http://schemas.microsoft.com/office/drawing/2017/decorative" val="1"/>
-              </a:ext>
-            </a:extLst>
-          </p:cNvPr>
-          <p:cNvSpPr>
-            <a:spLocks noGrp="1" noRot="1" noChangeAspect="1" noMove="1" noResize="1" noEditPoints="1" noAdjustHandles="1" noChangeArrowheads="1" noChangeShapeType="1" noTextEdit="1"/>
-          </p:cNvSpPr>
-          <p:nvPr>
-            <p:extLst>
-              <p:ext uri="{386F3935-93C4-4BCD-93E2-E3B085C9AB24}">
-                <p16:designElem xmlns:p16="http://schemas.microsoft.com/office/powerpoint/2015/main" val="1"/>
-              </p:ext>
-            </p:extLst>
-          </p:nvPr>
-        </p:nvSpPr>
-        <p:spPr>
-          <a:xfrm flipH="1">
-            <a:off x="11755696" y="4013200"/>
-            <a:ext cx="448733" cy="2844800"/>
-          </a:xfrm>
-          <a:prstGeom prst="triangle">
-            <a:avLst>
-              <a:gd name="adj" fmla="val 0"/>
-            </a:avLst>
-          </a:prstGeom>
-          <a:solidFill>
-            <a:schemeClr val="accent1">
-              <a:alpha val="85000"/>
-            </a:schemeClr>
-          </a:solidFill>
-          <a:ln>
-            <a:noFill/>
-          </a:ln>
-          <a:effectLst/>
-        </p:spPr>
-        <p:style>
-          <a:lnRef idx="1">
-            <a:schemeClr val="accent1"/>
-          </a:lnRef>
-          <a:fillRef idx="3">
-            <a:schemeClr val="accent1"/>
-          </a:fillRef>
-          <a:effectRef idx="2">
-            <a:schemeClr val="accent1"/>
-          </a:effectRef>
-          <a:fontRef idx="minor">
-            <a:schemeClr val="lt1"/>
-          </a:fontRef>
-        </p:style>
-        <p:txBody>
-          <a:bodyPr/>
-          <a:lstStyle/>
-          <a:p>
-            <a:endParaRPr lang="en-US" dirty="0"/>
-          </a:p>
-        </p:txBody>
-      </p:sp>
-      <p:pic>
-        <p:nvPicPr>
-          <p:cNvPr id="7" name="Image 6">
-            <a:extLst>
-              <a:ext uri="{FF2B5EF4-FFF2-40B4-BE49-F238E27FC236}">
-                <a16:creationId xmlns:a16="http://schemas.microsoft.com/office/drawing/2014/main" id="{40B95B09-DC0B-43FB-B083-6663C3FB34CA}"/>
-              </a:ext>
-            </a:extLst>
-          </p:cNvPr>
-          <p:cNvPicPr>
-            <a:picLocks noChangeAspect="1"/>
-          </p:cNvPicPr>
-          <p:nvPr/>
-        </p:nvPicPr>
-        <p:blipFill>
-          <a:blip r:embed="rId3"/>
-          <a:stretch>
-            <a:fillRect/>
-          </a:stretch>
-        </p:blipFill>
-        <p:spPr>
-          <a:xfrm>
-            <a:off x="4876799" y="5825995"/>
-            <a:ext cx="6966888" cy="388538"/>
-          </a:xfrm>
-          <a:prstGeom prst="rect">
-            <a:avLst/>
-          </a:prstGeom>
-        </p:spPr>
-      </p:pic>
     </p:spTree>
     <p:extLst>
       <p:ext uri="{BB962C8B-B14F-4D97-AF65-F5344CB8AC3E}">
@@ -8726,7 +8155,7 @@
     </p:extLst>
   </p:cSld>
   <p:clrMapOvr>
-    <a:overrideClrMapping bg1="lt1" tx1="dk1" bg2="lt2" tx2="dk2" accent1="accent1" accent2="accent2" accent3="accent3" accent4="accent4" accent5="accent5" accent6="accent6" hlink="hlink" folHlink="folHlink"/>
+    <a:masterClrMapping/>
   </p:clrMapOvr>
 </p:sld>
 </file>
